--- a/images/cv282.pptx
+++ b/images/cv282.pptx
@@ -112,7 +112,7 @@
   </p:defaultTextStyle>
   <p:extLst>
     <p:ext uri="{EFAFB233-063F-42B5-8137-9DF3F51BA10A}">
-      <p15:sldGuideLst xmlns:p15="http://schemas.microsoft.com/office/powerpoint/2012/main" xmlns="">
+      <p15:sldGuideLst xmlns="" xmlns:p15="http://schemas.microsoft.com/office/powerpoint/2012/main">
         <p15:guide id="1" orient="horz" pos="3366">
           <p15:clr>
             <a:srgbClr val="A4A3A4"/>
@@ -126,7 +126,7 @@
       </p15:sldGuideLst>
     </p:ext>
     <p:ext uri="{2D200454-40CA-4A62-9FC3-DE9A4176ACB9}">
-      <p15:notesGuideLst xmlns:p15="http://schemas.microsoft.com/office/powerpoint/2012/main" xmlns=""/>
+      <p15:notesGuideLst xmlns="" xmlns:p15="http://schemas.microsoft.com/office/powerpoint/2012/main"/>
     </p:ext>
   </p:extLst>
 </p:presentation>
@@ -291,7 +291,7 @@
     </p:spTree>
     <p:extLst>
       <p:ext uri="{BB962C8B-B14F-4D97-AF65-F5344CB8AC3E}">
-        <p14:creationId xmlns:p14="http://schemas.microsoft.com/office/powerpoint/2010/main" xmlns="" val="2874641195"/>
+        <p14:creationId xmlns="" xmlns:p14="http://schemas.microsoft.com/office/powerpoint/2010/main" val="2874641195"/>
       </p:ext>
     </p:extLst>
   </p:cSld>
@@ -551,7 +551,7 @@
     </p:spTree>
     <p:extLst>
       <p:ext uri="{BB962C8B-B14F-4D97-AF65-F5344CB8AC3E}">
-        <p14:creationId xmlns:p14="http://schemas.microsoft.com/office/powerpoint/2010/main" xmlns="" val="3157496647"/>
+        <p14:creationId xmlns="" xmlns:p14="http://schemas.microsoft.com/office/powerpoint/2010/main" val="3157496647"/>
       </p:ext>
     </p:extLst>
   </p:cSld>
@@ -726,7 +726,7 @@
     </p:spTree>
     <p:extLst>
       <p:ext uri="{BB962C8B-B14F-4D97-AF65-F5344CB8AC3E}">
-        <p14:creationId xmlns:p14="http://schemas.microsoft.com/office/powerpoint/2010/main" xmlns="" val="4130093287"/>
+        <p14:creationId xmlns="" xmlns:p14="http://schemas.microsoft.com/office/powerpoint/2010/main" val="4130093287"/>
       </p:ext>
     </p:extLst>
   </p:cSld>
@@ -943,7 +943,7 @@
     </p:spTree>
     <p:extLst>
       <p:ext uri="{BB962C8B-B14F-4D97-AF65-F5344CB8AC3E}">
-        <p14:creationId xmlns:p14="http://schemas.microsoft.com/office/powerpoint/2010/main" xmlns="" val="1090763187"/>
+        <p14:creationId xmlns="" xmlns:p14="http://schemas.microsoft.com/office/powerpoint/2010/main" val="1090763187"/>
       </p:ext>
     </p:extLst>
   </p:cSld>
@@ -1115,7 +1115,7 @@
     </p:spTree>
     <p:extLst>
       <p:ext uri="{BB962C8B-B14F-4D97-AF65-F5344CB8AC3E}">
-        <p14:creationId xmlns:p14="http://schemas.microsoft.com/office/powerpoint/2010/main" xmlns="" val="392926829"/>
+        <p14:creationId xmlns="" xmlns:p14="http://schemas.microsoft.com/office/powerpoint/2010/main" val="392926829"/>
       </p:ext>
     </p:extLst>
   </p:cSld>
@@ -1297,7 +1297,7 @@
     </p:spTree>
     <p:extLst>
       <p:ext uri="{BB962C8B-B14F-4D97-AF65-F5344CB8AC3E}">
-        <p14:creationId xmlns:p14="http://schemas.microsoft.com/office/powerpoint/2010/main" xmlns="" val="4291692020"/>
+        <p14:creationId xmlns="" xmlns:p14="http://schemas.microsoft.com/office/powerpoint/2010/main" val="4291692020"/>
       </p:ext>
     </p:extLst>
   </p:cSld>
@@ -1469,7 +1469,7 @@
     </p:spTree>
     <p:extLst>
       <p:ext uri="{BB962C8B-B14F-4D97-AF65-F5344CB8AC3E}">
-        <p14:creationId xmlns:p14="http://schemas.microsoft.com/office/powerpoint/2010/main" xmlns="" val="375868970"/>
+        <p14:creationId xmlns="" xmlns:p14="http://schemas.microsoft.com/office/powerpoint/2010/main" val="375868970"/>
       </p:ext>
     </p:extLst>
   </p:cSld>
@@ -1715,7 +1715,7 @@
     </p:spTree>
     <p:extLst>
       <p:ext uri="{BB962C8B-B14F-4D97-AF65-F5344CB8AC3E}">
-        <p14:creationId xmlns:p14="http://schemas.microsoft.com/office/powerpoint/2010/main" xmlns="" val="2838053086"/>
+        <p14:creationId xmlns="" xmlns:p14="http://schemas.microsoft.com/office/powerpoint/2010/main" val="2838053086"/>
       </p:ext>
     </p:extLst>
   </p:cSld>
@@ -1949,7 +1949,7 @@
     </p:spTree>
     <p:extLst>
       <p:ext uri="{BB962C8B-B14F-4D97-AF65-F5344CB8AC3E}">
-        <p14:creationId xmlns:p14="http://schemas.microsoft.com/office/powerpoint/2010/main" xmlns="" val="160632808"/>
+        <p14:creationId xmlns="" xmlns:p14="http://schemas.microsoft.com/office/powerpoint/2010/main" val="160632808"/>
       </p:ext>
     </p:extLst>
   </p:cSld>
@@ -2318,7 +2318,7 @@
     </p:spTree>
     <p:extLst>
       <p:ext uri="{BB962C8B-B14F-4D97-AF65-F5344CB8AC3E}">
-        <p14:creationId xmlns:p14="http://schemas.microsoft.com/office/powerpoint/2010/main" xmlns="" val="3594309604"/>
+        <p14:creationId xmlns="" xmlns:p14="http://schemas.microsoft.com/office/powerpoint/2010/main" val="3594309604"/>
       </p:ext>
     </p:extLst>
   </p:cSld>
@@ -2438,7 +2438,7 @@
     </p:spTree>
     <p:extLst>
       <p:ext uri="{BB962C8B-B14F-4D97-AF65-F5344CB8AC3E}">
-        <p14:creationId xmlns:p14="http://schemas.microsoft.com/office/powerpoint/2010/main" xmlns="" val="707152437"/>
+        <p14:creationId xmlns="" xmlns:p14="http://schemas.microsoft.com/office/powerpoint/2010/main" val="707152437"/>
       </p:ext>
     </p:extLst>
   </p:cSld>
@@ -2535,7 +2535,7 @@
     </p:spTree>
     <p:extLst>
       <p:ext uri="{BB962C8B-B14F-4D97-AF65-F5344CB8AC3E}">
-        <p14:creationId xmlns:p14="http://schemas.microsoft.com/office/powerpoint/2010/main" xmlns="" val="3234672711"/>
+        <p14:creationId xmlns="" xmlns:p14="http://schemas.microsoft.com/office/powerpoint/2010/main" val="3234672711"/>
       </p:ext>
     </p:extLst>
   </p:cSld>
@@ -2814,7 +2814,7 @@
     </p:spTree>
     <p:extLst>
       <p:ext uri="{BB962C8B-B14F-4D97-AF65-F5344CB8AC3E}">
-        <p14:creationId xmlns:p14="http://schemas.microsoft.com/office/powerpoint/2010/main" xmlns="" val="166656922"/>
+        <p14:creationId xmlns="" xmlns:p14="http://schemas.microsoft.com/office/powerpoint/2010/main" val="166656922"/>
       </p:ext>
     </p:extLst>
   </p:cSld>
@@ -3073,7 +3073,7 @@
     </p:spTree>
     <p:extLst>
       <p:ext uri="{BB962C8B-B14F-4D97-AF65-F5344CB8AC3E}">
-        <p14:creationId xmlns:p14="http://schemas.microsoft.com/office/powerpoint/2010/main" xmlns="" val="430029020"/>
+        <p14:creationId xmlns="" xmlns:p14="http://schemas.microsoft.com/office/powerpoint/2010/main" val="430029020"/>
       </p:ext>
     </p:extLst>
   </p:cSld>
@@ -3324,7 +3324,7 @@
     </p:spTree>
     <p:extLst>
       <p:ext uri="{BB962C8B-B14F-4D97-AF65-F5344CB8AC3E}">
-        <p14:creationId xmlns:p14="http://schemas.microsoft.com/office/powerpoint/2010/main" xmlns="" val="3918861300"/>
+        <p14:creationId xmlns="" xmlns:p14="http://schemas.microsoft.com/office/powerpoint/2010/main" val="3918861300"/>
       </p:ext>
     </p:extLst>
   </p:cSld>
@@ -5803,7 +5803,7 @@
           <a:blip r:embed="rId3" cstate="print">
             <a:extLst>
               <a:ext uri="{28A0092B-C50C-407E-A947-70E740481C1C}">
-                <a14:useLocalDpi xmlns:a14="http://schemas.microsoft.com/office/drawing/2010/main" xmlns="" val="0"/>
+                <a14:useLocalDpi xmlns="" xmlns:a14="http://schemas.microsoft.com/office/drawing/2010/main" val="0"/>
               </a:ext>
             </a:extLst>
           </a:blip>
@@ -5827,14 +5827,14 @@
           <a:effectLst/>
           <a:extLst>
             <a:ext uri="{909E8E84-426E-40DD-AFC4-6F175D3DCCD1}">
-              <a14:hiddenFill xmlns:a14="http://schemas.microsoft.com/office/drawing/2010/main" xmlns="">
+              <a14:hiddenFill xmlns="" xmlns:a14="http://schemas.microsoft.com/office/drawing/2010/main">
                 <a:solidFill>
                   <a:schemeClr val="accent1"/>
                 </a:solidFill>
               </a14:hiddenFill>
             </a:ext>
             <a:ext uri="{91240B29-F687-4F45-9708-019B960494DF}">
-              <a14:hiddenLine xmlns:a14="http://schemas.microsoft.com/office/drawing/2010/main" xmlns="" w="9525">
+              <a14:hiddenLine xmlns="" xmlns:a14="http://schemas.microsoft.com/office/drawing/2010/main" w="9525">
                 <a:solidFill>
                   <a:schemeClr val="tx1"/>
                 </a:solidFill>
@@ -5844,7 +5844,7 @@
               </a14:hiddenLine>
             </a:ext>
             <a:ext uri="{AF507438-7753-43E0-B8FC-AC1667EBCBE1}">
-              <a14:hiddenEffects xmlns:a14="http://schemas.microsoft.com/office/drawing/2010/main" xmlns="">
+              <a14:hiddenEffects xmlns="" xmlns:a14="http://schemas.microsoft.com/office/drawing/2010/main">
                 <a:effectLst>
                   <a:outerShdw dist="35921" dir="2700000" algn="ctr" rotWithShape="0">
                     <a:schemeClr val="bg2"/>
@@ -6031,7 +6031,7 @@
           <p:cNvPr id="61" name="TextBox 149">
             <a:extLst>
               <a:ext uri="{FF2B5EF4-FFF2-40B4-BE49-F238E27FC236}">
-                <a16:creationId xmlns:a16="http://schemas.microsoft.com/office/drawing/2014/main" xmlns="" id="{C69560F2-823F-46CA-BC15-3763DE1E92D4}"/>
+                <a16:creationId xmlns="" xmlns:a16="http://schemas.microsoft.com/office/drawing/2014/main" id="{C69560F2-823F-46CA-BC15-3763DE1E92D4}"/>
               </a:ext>
             </a:extLst>
           </p:cNvPr>
@@ -6071,7 +6071,7 @@
           <p:cNvPr id="62" name="TextBox 149">
             <a:extLst>
               <a:ext uri="{FF2B5EF4-FFF2-40B4-BE49-F238E27FC236}">
-                <a16:creationId xmlns:a16="http://schemas.microsoft.com/office/drawing/2014/main" xmlns="" id="{DAF960EE-7245-4E3B-AB6B-FB7613229444}"/>
+                <a16:creationId xmlns="" xmlns:a16="http://schemas.microsoft.com/office/drawing/2014/main" id="{DAF960EE-7245-4E3B-AB6B-FB7613229444}"/>
               </a:ext>
             </a:extLst>
           </p:cNvPr>
@@ -6111,7 +6111,7 @@
           <p:cNvPr id="63" name="TextBox 148">
             <a:extLst>
               <a:ext uri="{FF2B5EF4-FFF2-40B4-BE49-F238E27FC236}">
-                <a16:creationId xmlns:a16="http://schemas.microsoft.com/office/drawing/2014/main" xmlns="" id="{706224AE-A509-42EA-BB0B-FD6124018995}"/>
+                <a16:creationId xmlns="" xmlns:a16="http://schemas.microsoft.com/office/drawing/2014/main" id="{706224AE-A509-42EA-BB0B-FD6124018995}"/>
               </a:ext>
             </a:extLst>
           </p:cNvPr>
@@ -6185,7 +6185,7 @@
           <p:cNvPr id="64" name="TextBox 148">
             <a:extLst>
               <a:ext uri="{FF2B5EF4-FFF2-40B4-BE49-F238E27FC236}">
-                <a16:creationId xmlns:a16="http://schemas.microsoft.com/office/drawing/2014/main" xmlns="" id="{0A532F8C-AB42-4551-8587-8EB9499A4948}"/>
+                <a16:creationId xmlns="" xmlns:a16="http://schemas.microsoft.com/office/drawing/2014/main" id="{0A532F8C-AB42-4551-8587-8EB9499A4948}"/>
               </a:ext>
             </a:extLst>
           </p:cNvPr>
@@ -6230,10 +6230,75 @@
           </a:p>
         </p:txBody>
       </p:sp>
+      <p:sp>
+        <p:nvSpPr>
+          <p:cNvPr id="65" name="TextBox 149"/>
+          <p:cNvSpPr txBox="1"/>
+          <p:nvPr/>
+        </p:nvSpPr>
+        <p:spPr>
+          <a:xfrm>
+            <a:off x="525666" y="10289707"/>
+            <a:ext cx="5141487" cy="246221"/>
+          </a:xfrm>
+          <a:prstGeom prst="rect">
+            <a:avLst/>
+          </a:prstGeom>
+          <a:noFill/>
+        </p:spPr>
+        <p:txBody>
+          <a:bodyPr wrap="square" rtlCol="0">
+            <a:spAutoFit/>
+          </a:bodyPr>
+          <a:lstStyle/>
+          <a:p>
+            <a:pPr algn="ctr"/>
+            <a:r>
+              <a:rPr lang="en-PH" sz="1000" dirty="0" smtClean="0">
+                <a:cs typeface="Lato" panose="020F0502020204030203" pitchFamily="34" charset="0"/>
+              </a:rPr>
+              <a:t>Lien de </a:t>
+            </a:r>
+            <a:r>
+              <a:rPr lang="en-PH" sz="1000" dirty="0" err="1" smtClean="0">
+                <a:cs typeface="Lato" panose="020F0502020204030203" pitchFamily="34" charset="0"/>
+              </a:rPr>
+              <a:t>mon</a:t>
+            </a:r>
+            <a:r>
+              <a:rPr lang="en-PH" sz="1000" dirty="0" smtClean="0">
+                <a:cs typeface="Lato" panose="020F0502020204030203" pitchFamily="34" charset="0"/>
+              </a:rPr>
+              <a:t> </a:t>
+            </a:r>
+            <a:r>
+              <a:rPr lang="en-PH" sz="1000" dirty="0" err="1" smtClean="0">
+                <a:cs typeface="Lato" panose="020F0502020204030203" pitchFamily="34" charset="0"/>
+              </a:rPr>
+              <a:t>cv</a:t>
+            </a:r>
+            <a:r>
+              <a:rPr lang="en-PH" sz="1000" dirty="0" smtClean="0">
+                <a:cs typeface="Lato" panose="020F0502020204030203" pitchFamily="34" charset="0"/>
+              </a:rPr>
+              <a:t> : https</a:t>
+            </a:r>
+            <a:r>
+              <a:rPr lang="en-PH" sz="1000" dirty="0" smtClean="0">
+                <a:cs typeface="Lato" panose="020F0502020204030203" pitchFamily="34" charset="0"/>
+              </a:rPr>
+              <a:t>://morpheus59124.github.io/CV/cv.html#</a:t>
+            </a:r>
+            <a:endParaRPr lang="en-PH" sz="1000" dirty="0">
+              <a:cs typeface="Lato" panose="020F0502020204030203" pitchFamily="34" charset="0"/>
+            </a:endParaRPr>
+          </a:p>
+        </p:txBody>
+      </p:sp>
     </p:spTree>
     <p:extLst>
       <p:ext uri="{BB962C8B-B14F-4D97-AF65-F5344CB8AC3E}">
-        <p14:creationId xmlns:p14="http://schemas.microsoft.com/office/powerpoint/2010/main" xmlns="" val="2374965228"/>
+        <p14:creationId xmlns="" xmlns:p14="http://schemas.microsoft.com/office/powerpoint/2010/main" val="2374965228"/>
       </p:ext>
     </p:extLst>
   </p:cSld>
@@ -6498,7 +6563,7 @@
   <a:extraClrSchemeLst/>
   <a:extLst>
     <a:ext uri="{05A4C25C-085E-4340-85A3-A5531E510DB2}">
-      <thm15:themeFamily xmlns:thm15="http://schemas.microsoft.com/office/thememl/2012/main" xmlns="" name="Office Theme" id="{62F939B6-93AF-4DB8-9C6B-D6C7DFDC589F}" vid="{4A3C46E8-61CC-4603-A589-7422A47A8E4A}"/>
+      <thm15:themeFamily xmlns="" xmlns:thm15="http://schemas.microsoft.com/office/thememl/2012/main" name="Office Theme" id="{62F939B6-93AF-4DB8-9C6B-D6C7DFDC589F}" vid="{4A3C46E8-61CC-4603-A589-7422A47A8E4A}"/>
     </a:ext>
   </a:extLst>
 </a:theme>
@@ -6759,7 +6824,7 @@
   <a:extraClrSchemeLst/>
   <a:extLst>
     <a:ext uri="{05A4C25C-085E-4340-85A3-A5531E510DB2}">
-      <thm15:themeFamily xmlns:thm15="http://schemas.microsoft.com/office/thememl/2012/main" xmlns="" name="Office Theme" id="{62F939B6-93AF-4DB8-9C6B-D6C7DFDC589F}" vid="{4A3C46E8-61CC-4603-A589-7422A47A8E4A}"/>
+      <thm15:themeFamily xmlns="" xmlns:thm15="http://schemas.microsoft.com/office/thememl/2012/main" name="Office Theme" id="{62F939B6-93AF-4DB8-9C6B-D6C7DFDC589F}" vid="{4A3C46E8-61CC-4603-A589-7422A47A8E4A}"/>
     </a:ext>
   </a:extLst>
 </a:theme>
@@ -7020,7 +7085,7 @@
   <a:extraClrSchemeLst/>
   <a:extLst>
     <a:ext uri="{05A4C25C-085E-4340-85A3-A5531E510DB2}">
-      <thm15:themeFamily xmlns:thm15="http://schemas.microsoft.com/office/thememl/2012/main" xmlns="" name="Office Theme" id="{62F939B6-93AF-4DB8-9C6B-D6C7DFDC589F}" vid="{4A3C46E8-61CC-4603-A589-7422A47A8E4A}"/>
+      <thm15:themeFamily xmlns="" xmlns:thm15="http://schemas.microsoft.com/office/thememl/2012/main" name="Office Theme" id="{62F939B6-93AF-4DB8-9C6B-D6C7DFDC589F}" vid="{4A3C46E8-61CC-4603-A589-7422A47A8E4A}"/>
     </a:ext>
   </a:extLst>
 </a:theme>
